--- a/Presentation_0226_JiayuChen.pptx
+++ b/Presentation_0226_JiayuChen.pptx
@@ -263,7 +263,7 @@
       <p15:sldGuideLst xmlns:p15="http://schemas.microsoft.com/office/powerpoint/2012/main"/>
     </p:ext>
     <p:ext uri="GoogleSlidesCustomDataVersion2">
-      <go:slidesCustomData xmlns="" xmlns:mc="http://schemas.openxmlformats.org/markup-compatibility/2006" xmlns:mv="urn:schemas-microsoft-com:mac:vml" xmlns:c="http://schemas.openxmlformats.org/drawingml/2006/chart" xmlns:dgm="http://schemas.openxmlformats.org/drawingml/2006/diagram" xmlns:o="urn:schemas-microsoft-com:office:office" xmlns:v="urn:schemas-microsoft-com:vml" xmlns:pvml="urn:schemas-microsoft-com:office:powerpoint" xmlns:com="http://schemas.openxmlformats.org/drawingml/2006/compatibility" xmlns:p14="http://schemas.microsoft.com/office/powerpoint/2010/main" xmlns:p15="http://schemas.microsoft.com/office/powerpoint/2012/main" xmlns:ahyp="http://schemas.microsoft.com/office/drawing/2018/hyperlinkcolor" xmlns:go="http://customooxmlschemas.google.com/" r:id="rId31" roundtripDataSignature="AMtx7mi7AOUiGfioVPTFrFzTi+gJGDXQ/w=="/>
+      <go:slidesCustomData xmlns:go="http://customooxmlschemas.google.com/" xmlns:ahyp="http://schemas.microsoft.com/office/drawing/2018/hyperlinkcolor" xmlns:p15="http://schemas.microsoft.com/office/powerpoint/2012/main" xmlns:p14="http://schemas.microsoft.com/office/powerpoint/2010/main" xmlns:com="http://schemas.openxmlformats.org/drawingml/2006/compatibility" xmlns:pvml="urn:schemas-microsoft-com:office:powerpoint" xmlns:v="urn:schemas-microsoft-com:vml" xmlns:o="urn:schemas-microsoft-com:office:office" xmlns:dgm="http://schemas.openxmlformats.org/drawingml/2006/diagram" xmlns:c="http://schemas.openxmlformats.org/drawingml/2006/chart" xmlns:mv="urn:schemas-microsoft-com:mac:vml" xmlns:mc="http://schemas.openxmlformats.org/markup-compatibility/2006" xmlns="" r:id="rId31" roundtripDataSignature="AMtx7mi7AOUiGfioVPTFrFzTi+gJGDXQ/w=="/>
     </p:ext>
   </p:extLst>
 </p:presentation>
@@ -14383,8 +14383,8 @@
         </p:nvSpPr>
         <p:spPr>
           <a:xfrm>
-            <a:off x="475709" y="1252764"/>
-            <a:ext cx="3624036" cy="4185761"/>
+            <a:off x="12265" y="660298"/>
+            <a:ext cx="4267200" cy="6063198"/>
           </a:xfrm>
           <a:prstGeom prst="rect">
             <a:avLst/>
@@ -14398,7 +14398,12 @@
           <a:lstStyle/>
           <a:p>
             <a:r>
-              <a:rPr lang="en-US" altLang="zh-CN" dirty="0"/>
+              <a:rPr lang="en-US" altLang="zh-CN" sz="1800" dirty="0">
+                <a:solidFill>
+                  <a:schemeClr val="dk1"/>
+                </a:solidFill>
+                <a:latin typeface="Consolas"/>
+              </a:rPr>
               <a:t>Visualize and analyze the test results of the classification model, attempting to summarize what the model has learned.</a:t>
             </a:r>
           </a:p>
@@ -14407,7 +14412,12 @@
           </a:p>
           <a:p>
             <a:r>
-              <a:rPr lang="en-US" altLang="zh-CN" dirty="0"/>
+              <a:rPr lang="en-US" altLang="zh-CN" sz="1800" dirty="0">
+                <a:solidFill>
+                  <a:schemeClr val="dk1"/>
+                </a:solidFill>
+                <a:latin typeface="Consolas"/>
+              </a:rPr>
               <a:t>Some existing issues:</a:t>
             </a:r>
           </a:p>
@@ -14417,8 +14427,13 @@
               <a:buChar char="•"/>
             </a:pPr>
             <a:r>
-              <a:rPr lang="en-US" altLang="zh-CN" dirty="0"/>
-              <a:t>When slicing, usually only the first few peaks can be seen, typically around 3-4.</a:t>
+              <a:rPr lang="en-US" altLang="zh-CN" sz="1800" dirty="0">
+                <a:solidFill>
+                  <a:schemeClr val="dk1"/>
+                </a:solidFill>
+                <a:latin typeface="Consolas"/>
+              </a:rPr>
+              <a:t>When slicing, usually only few peaks can be seen, typically around 3-4.</a:t>
             </a:r>
           </a:p>
           <a:p>
@@ -14427,8 +14442,13 @@
               <a:buChar char="•"/>
             </a:pPr>
             <a:r>
-              <a:rPr lang="en-US" altLang="zh-CN" dirty="0"/>
-              <a:t>The red line in the graph represents the Mean Template. The reason for this difference is due to the asymmetry in sample quantities. Samples with more data points tend to be smoother, while those with fewer data points tend to be more rugged.</a:t>
+              <a:rPr lang="en-US" altLang="zh-CN" sz="1800" dirty="0">
+                <a:solidFill>
+                  <a:schemeClr val="dk1"/>
+                </a:solidFill>
+                <a:latin typeface="Consolas"/>
+              </a:rPr>
+              <a:t>The red line in the graph represents the Mean Template. The reason for this difference is due to the asymmetry in sample quantities. Samples with more data points tend to be smoother.</a:t>
             </a:r>
           </a:p>
           <a:p>
@@ -14436,8 +14456,13 @@
           </a:p>
           <a:p>
             <a:r>
-              <a:rPr lang="en-US" altLang="zh-CN" dirty="0"/>
-              <a:t>Based on above 2 reasons, analyzing the test results of the classification model suggests that our feature extraction may not be helped</a:t>
+              <a:rPr lang="en-US" altLang="zh-CN" sz="1800" dirty="0">
+                <a:solidFill>
+                  <a:schemeClr val="dk1"/>
+                </a:solidFill>
+                <a:latin typeface="Consolas"/>
+              </a:rPr>
+              <a:t>Based on above 2 reasons, analyzing test results of the classification model suggests that our feature extraction may not be helped.</a:t>
             </a:r>
           </a:p>
         </p:txBody>
@@ -14456,7 +14481,7 @@
         </p:nvSpPr>
         <p:spPr>
           <a:xfrm>
-            <a:off x="6397575" y="5355801"/>
+            <a:off x="6819606" y="5369869"/>
             <a:ext cx="1494972" cy="1139435"/>
           </a:xfrm>
           <a:custGeom>
@@ -14661,7 +14686,7 @@
         </p:nvSpPr>
         <p:spPr>
           <a:xfrm>
-            <a:off x="4240593" y="5355801"/>
+            <a:off x="4662624" y="5369869"/>
             <a:ext cx="1494972" cy="1139435"/>
           </a:xfrm>
           <a:custGeom>
@@ -14866,7 +14891,7 @@
         </p:nvSpPr>
         <p:spPr>
           <a:xfrm>
-            <a:off x="6778171" y="5355801"/>
+            <a:off x="7165032" y="5369869"/>
             <a:ext cx="718457" cy="1270017"/>
           </a:xfrm>
           <a:prstGeom prst="rect">
@@ -14913,7 +14938,7 @@
         </p:nvSpPr>
         <p:spPr>
           <a:xfrm>
-            <a:off x="8298942" y="5355801"/>
+            <a:off x="8720973" y="5369869"/>
             <a:ext cx="1494972" cy="1139435"/>
           </a:xfrm>
           <a:custGeom>
@@ -15118,7 +15143,7 @@
         </p:nvSpPr>
         <p:spPr>
           <a:xfrm>
-            <a:off x="9216567" y="5355801"/>
+            <a:off x="9638598" y="5369869"/>
             <a:ext cx="718457" cy="1270017"/>
           </a:xfrm>
           <a:prstGeom prst="rect">
@@ -15594,8 +15619,8 @@
         </p:nvSpPr>
         <p:spPr>
           <a:xfrm>
-            <a:off x="2288762" y="1604204"/>
-            <a:ext cx="6128656" cy="2246769"/>
+            <a:off x="526189" y="755167"/>
+            <a:ext cx="8624477" cy="3139321"/>
           </a:xfrm>
           <a:prstGeom prst="rect">
             <a:avLst/>
@@ -15609,25 +15634,50 @@
           <a:lstStyle/>
           <a:p>
             <a:r>
-              <a:rPr lang="en-US" altLang="zh-CN" dirty="0"/>
+              <a:rPr lang="en-US" altLang="zh-CN" sz="1800" dirty="0">
+                <a:solidFill>
+                  <a:schemeClr val="dk1"/>
+                </a:solidFill>
+                <a:latin typeface="Consolas"/>
+              </a:rPr>
               <a:t>Then, I visualized the complete signal slices and attempted to directly extract features related to peaks (mainly amplitudes) in the BSG signal.</a:t>
             </a:r>
           </a:p>
           <a:p>
-            <a:endParaRPr lang="en-US" altLang="zh-CN" dirty="0"/>
+            <a:endParaRPr lang="en-US" altLang="zh-CN" sz="1800" dirty="0">
+              <a:solidFill>
+                <a:schemeClr val="dk1"/>
+              </a:solidFill>
+              <a:latin typeface="Consolas"/>
+            </a:endParaRPr>
           </a:p>
           <a:p>
             <a:r>
-              <a:rPr lang="en-US" altLang="zh-CN" dirty="0"/>
+              <a:rPr lang="en-US" altLang="zh-CN" sz="1800" dirty="0">
+                <a:solidFill>
+                  <a:schemeClr val="dk1"/>
+                </a:solidFill>
+                <a:latin typeface="Consolas"/>
+              </a:rPr>
               <a:t>The motivation behind this approach stemmed from the core challenge of waveform uncertainty. Additionally, upon observing the image on the right, I speculated whether the waveform evolved based on BP as the independent variable.</a:t>
             </a:r>
           </a:p>
           <a:p>
-            <a:endParaRPr lang="en-US" altLang="zh-CN" dirty="0"/>
+            <a:endParaRPr lang="en-US" altLang="zh-CN" sz="1800" dirty="0">
+              <a:solidFill>
+                <a:schemeClr val="dk1"/>
+              </a:solidFill>
+              <a:latin typeface="Consolas"/>
+            </a:endParaRPr>
           </a:p>
           <a:p>
             <a:r>
-              <a:rPr lang="en-US" altLang="zh-CN" dirty="0"/>
+              <a:rPr lang="en-US" altLang="zh-CN" sz="1800" dirty="0">
+                <a:solidFill>
+                  <a:schemeClr val="dk1"/>
+                </a:solidFill>
+                <a:latin typeface="Consolas"/>
+              </a:rPr>
               <a:t>However, after reviewing some papers, I realized that this approach might not be feasible.</a:t>
             </a:r>
           </a:p>
@@ -15648,13 +15698,13 @@
           <p:nvPr>
             <p:extLst>
               <p:ext uri="{D42A27DB-BD31-4B8C-83A1-F6EECF244321}">
-                <p14:modId xmlns:p14="http://schemas.microsoft.com/office/powerpoint/2010/main" val="2047846947"/>
+                <p14:modId xmlns:p14="http://schemas.microsoft.com/office/powerpoint/2010/main" val="3425582749"/>
               </p:ext>
             </p:extLst>
           </p:nvPr>
         </p:nvGraphicFramePr>
         <p:xfrm>
-          <a:off x="1060450" y="4016936"/>
+          <a:off x="2270271" y="4249545"/>
           <a:ext cx="4288790" cy="2225040"/>
         </p:xfrm>
         <a:graphic>
@@ -18565,8 +18615,8 @@
         </p:nvSpPr>
         <p:spPr>
           <a:xfrm>
-            <a:off x="1509486" y="1410026"/>
-            <a:ext cx="7656286" cy="1384995"/>
+            <a:off x="1269386" y="727742"/>
+            <a:ext cx="9653228" cy="2031325"/>
           </a:xfrm>
           <a:prstGeom prst="rect">
             <a:avLst/>
@@ -18580,16 +18630,31 @@
           <a:lstStyle/>
           <a:p>
             <a:r>
-              <a:rPr lang="en-US" altLang="zh-CN" dirty="0"/>
+              <a:rPr lang="en-US" altLang="zh-CN" sz="1800" dirty="0">
+                <a:solidFill>
+                  <a:schemeClr val="dk1"/>
+                </a:solidFill>
+                <a:latin typeface="Consolas"/>
+              </a:rPr>
               <a:t>All types of Pulse Transit Times (PTTs) and Pulse Arrival Times (PATs) can be calculated using BCG-PPG signals and SCG-PPG signals. And PAT and PTT are proven to be directly proportional to S and D.</a:t>
             </a:r>
           </a:p>
           <a:p>
-            <a:endParaRPr lang="en-US" altLang="zh-CN" dirty="0"/>
+            <a:endParaRPr lang="en-US" altLang="zh-CN" sz="1800" dirty="0">
+              <a:solidFill>
+                <a:schemeClr val="dk1"/>
+              </a:solidFill>
+              <a:latin typeface="Consolas"/>
+            </a:endParaRPr>
           </a:p>
           <a:p>
             <a:r>
-              <a:rPr lang="en-US" altLang="zh-CN" dirty="0"/>
+              <a:rPr lang="en-US" altLang="zh-CN" sz="1800" dirty="0">
+                <a:solidFill>
+                  <a:schemeClr val="dk1"/>
+                </a:solidFill>
+                <a:latin typeface="Consolas"/>
+              </a:rPr>
               <a:t>Locating the positions of the J peak/OA peak in the BSG signal or in the derivative of the BSG signal may help us gain a better understanding of the BSG signal.</a:t>
             </a:r>
           </a:p>
@@ -18714,7 +18779,7 @@
         </p:nvSpPr>
         <p:spPr>
           <a:xfrm>
-            <a:off x="680333" y="4931385"/>
+            <a:off x="1203213" y="4024019"/>
             <a:ext cx="10831334" cy="1477287"/>
           </a:xfrm>
           <a:prstGeom prst="rect">
@@ -18843,7 +18908,7 @@
                 <a:latin typeface="Consolas"/>
                 <a:sym typeface="Consolas"/>
               </a:rPr>
-              <a:t>2. I totally.</a:t>
+              <a:t>2. Peak number of signals.</a:t>
             </a:r>
           </a:p>
         </p:txBody>
@@ -19329,8 +19394,8 @@
         </p:nvSpPr>
         <p:spPr>
           <a:xfrm>
-            <a:off x="94344" y="400110"/>
-            <a:ext cx="11616582" cy="6463308"/>
+            <a:off x="614849" y="646295"/>
+            <a:ext cx="11272351" cy="5909310"/>
           </a:xfrm>
           <a:prstGeom prst="rect">
             <a:avLst/>
@@ -19344,29 +19409,14 @@
           <a:lstStyle/>
           <a:p>
             <a:r>
-              <a:rPr lang="en-US" altLang="zh-CN" sz="1800" dirty="0">
+              <a:rPr lang="en-US" altLang="zh-CN" sz="1800" b="1" dirty="0">
                 <a:solidFill>
                   <a:schemeClr val="dk1"/>
                 </a:solidFill>
                 <a:latin typeface="Consolas"/>
               </a:rPr>
-              <a:t>The background information of irregular heart rate</a:t>
+              <a:t>The Background Information of Irregular Heart Rate:</a:t>
             </a:r>
-            <a:r>
-              <a:rPr lang="zh-CN" altLang="en-US" sz="1800" dirty="0">
-                <a:solidFill>
-                  <a:schemeClr val="dk1"/>
-                </a:solidFill>
-                <a:latin typeface="Consolas"/>
-              </a:rPr>
-              <a:t>：</a:t>
-            </a:r>
-            <a:endParaRPr lang="en-US" altLang="zh-CN" sz="1800" dirty="0">
-              <a:solidFill>
-                <a:schemeClr val="dk1"/>
-              </a:solidFill>
-              <a:latin typeface="Consolas"/>
-            </a:endParaRPr>
           </a:p>
           <a:p>
             <a:pPr marL="285750" indent="-285750">
@@ -19440,22 +19490,14 @@
             </a:endParaRPr>
           </a:p>
           <a:p>
-            <a:endParaRPr lang="en-US" altLang="zh-CN" sz="1800" dirty="0">
-              <a:solidFill>
-                <a:schemeClr val="dk1"/>
-              </a:solidFill>
-              <a:latin typeface="Consolas"/>
-            </a:endParaRPr>
-          </a:p>
-          <a:p>
             <a:r>
-              <a:rPr lang="en-US" altLang="zh-CN" sz="1800" dirty="0">
+              <a:rPr lang="en-US" altLang="zh-CN" sz="1800" b="1" dirty="0">
                 <a:solidFill>
                   <a:schemeClr val="dk1"/>
                 </a:solidFill>
                 <a:latin typeface="Consolas"/>
               </a:rPr>
-              <a:t>Judgment Criteria: </a:t>
+              <a:t>Judgment Criteria:</a:t>
             </a:r>
           </a:p>
           <a:p>
@@ -19478,16 +19520,8 @@
             </a:endParaRPr>
           </a:p>
           <a:p>
-            <a:endParaRPr lang="en-US" altLang="zh-CN" sz="1800" dirty="0">
-              <a:solidFill>
-                <a:schemeClr val="dk1"/>
-              </a:solidFill>
-              <a:latin typeface="Consolas"/>
-            </a:endParaRPr>
-          </a:p>
-          <a:p>
             <a:r>
-              <a:rPr lang="en-US" altLang="zh-CN" sz="1800" dirty="0">
+              <a:rPr lang="en-US" altLang="zh-CN" sz="1800" b="1" dirty="0">
                 <a:solidFill>
                   <a:schemeClr val="dk1"/>
                 </a:solidFill>
@@ -19528,7 +19562,7 @@
             <a:pPr marL="342900" indent="-342900">
               <a:buAutoNum type="arabicPeriod"/>
             </a:pPr>
-            <a:endParaRPr lang="en-US" altLang="zh-CN" sz="1800" dirty="0">
+            <a:endParaRPr lang="en-US" altLang="zh-CN" sz="1800" b="1" dirty="0">
               <a:solidFill>
                 <a:schemeClr val="dk1"/>
               </a:solidFill>
@@ -19536,15 +19570,15 @@
             </a:endParaRPr>
           </a:p>
           <a:p>
-            <a:pPr marL="342900" indent="-342900">
-              <a:buAutoNum type="arabicPeriod"/>
-            </a:pPr>
-            <a:endParaRPr lang="en-US" altLang="zh-CN" sz="1800" dirty="0">
-              <a:solidFill>
-                <a:schemeClr val="dk1"/>
-              </a:solidFill>
-              <a:latin typeface="Consolas"/>
-            </a:endParaRPr>
+            <a:r>
+              <a:rPr lang="en-US" altLang="zh-CN" sz="1800" b="1" dirty="0">
+                <a:solidFill>
+                  <a:schemeClr val="dk1"/>
+                </a:solidFill>
+                <a:latin typeface="Consolas"/>
+              </a:rPr>
+              <a:t>Example:</a:t>
+            </a:r>
           </a:p>
           <a:p>
             <a:r>
@@ -19554,7 +19588,7 @@
                 </a:solidFill>
                 <a:latin typeface="Consolas"/>
               </a:rPr>
-              <a:t>Healthy: [1000ms, 1000ms, 1000ms, 1000ms]</a:t>
+              <a:t>Healthy IBI: [1000ms, 1000ms, 1000ms, 1000ms]</a:t>
             </a:r>
           </a:p>
           <a:p>
@@ -19565,7 +19599,25 @@
                 </a:solidFill>
                 <a:latin typeface="Consolas"/>
               </a:rPr>
-              <a:t>Unhealthy: [1000ms, 1250ms, 1000ms, 1000ms]</a:t>
+              <a:t>Unhealthy IBI: [1000ms, </a:t>
+            </a:r>
+            <a:r>
+              <a:rPr lang="en-US" altLang="zh-CN" sz="1800" b="1" dirty="0">
+                <a:solidFill>
+                  <a:schemeClr val="dk1"/>
+                </a:solidFill>
+                <a:latin typeface="Consolas"/>
+              </a:rPr>
+              <a:t>1250ms</a:t>
+            </a:r>
+            <a:r>
+              <a:rPr lang="en-US" altLang="zh-CN" sz="1800" dirty="0">
+                <a:solidFill>
+                  <a:schemeClr val="dk1"/>
+                </a:solidFill>
+                <a:latin typeface="Consolas"/>
+              </a:rPr>
+              <a:t>, 1000ms, 1000ms]</a:t>
             </a:r>
           </a:p>
           <a:p>
@@ -19697,8 +19749,8 @@
         </p:nvSpPr>
         <p:spPr>
           <a:xfrm>
-            <a:off x="482488" y="824271"/>
-            <a:ext cx="3941890" cy="1169551"/>
+            <a:off x="1033805" y="534320"/>
+            <a:ext cx="5570977" cy="1477328"/>
           </a:xfrm>
           <a:prstGeom prst="rect">
             <a:avLst/>
@@ -19712,36 +19764,75 @@
           <a:lstStyle/>
           <a:p>
             <a:r>
-              <a:rPr lang="en-US" altLang="zh-CN" dirty="0"/>
+              <a:rPr lang="en-US" altLang="zh-CN" sz="1800" dirty="0">
+                <a:solidFill>
+                  <a:schemeClr val="dk1"/>
+                </a:solidFill>
+                <a:latin typeface="Consolas"/>
+              </a:rPr>
               <a:t>Experiments Results on Real Data:</a:t>
             </a:r>
           </a:p>
           <a:p>
             <a:r>
-              <a:rPr lang="zh-CN" altLang="en-US" dirty="0"/>
+              <a:rPr lang="zh-CN" altLang="en-US" sz="1800" dirty="0">
+                <a:solidFill>
+                  <a:schemeClr val="dk1"/>
+                </a:solidFill>
+                <a:latin typeface="Consolas"/>
+              </a:rPr>
               <a:t>4,421 </a:t>
             </a:r>
             <a:r>
-              <a:rPr lang="en-US" altLang="zh-CN" dirty="0"/>
+              <a:rPr lang="en-US" altLang="zh-CN" sz="1800" dirty="0">
+                <a:solidFill>
+                  <a:schemeClr val="dk1"/>
+                </a:solidFill>
+                <a:latin typeface="Consolas"/>
+              </a:rPr>
               <a:t>pieces of 10-second BSG signal </a:t>
             </a:r>
           </a:p>
           <a:p>
             <a:r>
-              <a:rPr lang="en-US" altLang="zh-CN" dirty="0"/>
-              <a:t>3471 pieces of signals with Normal IBI</a:t>
+              <a:rPr lang="en-US" altLang="zh-CN" sz="1800" dirty="0">
+                <a:solidFill>
+                  <a:schemeClr val="dk1"/>
+                </a:solidFill>
+                <a:latin typeface="Consolas"/>
+              </a:rPr>
+              <a:t>3,471 pieces of signals with Normal IBI</a:t>
             </a:r>
           </a:p>
           <a:p>
             <a:r>
-              <a:rPr lang="en-US" altLang="zh-CN" dirty="0"/>
+              <a:rPr lang="en-US" altLang="zh-CN" sz="1800" dirty="0">
+                <a:solidFill>
+                  <a:schemeClr val="dk1"/>
+                </a:solidFill>
+                <a:latin typeface="Consolas"/>
+              </a:rPr>
               <a:t>950 pieces of signals with Abnormal IBI</a:t>
             </a:r>
           </a:p>
           <a:p>
             <a:r>
-              <a:rPr lang="en-US" altLang="zh-CN" dirty="0"/>
-              <a:t>A ratio of 78.5%</a:t>
+              <a:rPr lang="en-US" altLang="zh-CN" sz="1800" dirty="0">
+                <a:solidFill>
+                  <a:schemeClr val="dk1"/>
+                </a:solidFill>
+                <a:latin typeface="Consolas"/>
+              </a:rPr>
+              <a:t>A ratio of </a:t>
+            </a:r>
+            <a:r>
+              <a:rPr lang="en-US" altLang="zh-CN" sz="1800" b="1" u="sng" dirty="0">
+                <a:solidFill>
+                  <a:schemeClr val="dk1"/>
+                </a:solidFill>
+                <a:latin typeface="Consolas"/>
+              </a:rPr>
+              <a:t>78.5%</a:t>
             </a:r>
           </a:p>
         </p:txBody>
@@ -19768,7 +19859,7 @@
         </p:blipFill>
         <p:spPr>
           <a:xfrm>
-            <a:off x="8229967" y="976671"/>
+            <a:off x="7976749" y="1356706"/>
             <a:ext cx="3867690" cy="3934374"/>
           </a:xfrm>
           <a:prstGeom prst="rect">
@@ -19798,8 +19889,8 @@
         </p:blipFill>
         <p:spPr>
           <a:xfrm>
-            <a:off x="482488" y="4250250"/>
-            <a:ext cx="6519374" cy="2607750"/>
+            <a:off x="714605" y="4501929"/>
+            <a:ext cx="5890177" cy="2356071"/>
           </a:xfrm>
           <a:prstGeom prst="rect">
             <a:avLst/>
@@ -19828,8 +19919,8 @@
         </p:blipFill>
         <p:spPr>
           <a:xfrm>
-            <a:off x="482488" y="1735608"/>
-            <a:ext cx="6519374" cy="2607750"/>
+            <a:off x="714605" y="2145858"/>
+            <a:ext cx="5890177" cy="2356071"/>
           </a:xfrm>
           <a:prstGeom prst="rect">
             <a:avLst/>
@@ -19850,8 +19941,8 @@
         </p:nvSpPr>
         <p:spPr>
           <a:xfrm>
-            <a:off x="8157396" y="516494"/>
-            <a:ext cx="4099919" cy="307777"/>
+            <a:off x="7913078" y="626653"/>
+            <a:ext cx="4131211" cy="646331"/>
           </a:xfrm>
           <a:prstGeom prst="rect">
             <a:avLst/>
@@ -19865,9 +19956,226 @@
           <a:lstStyle/>
           <a:p>
             <a:r>
+              <a:rPr lang="en-US" altLang="zh-CN" sz="1800" dirty="0">
+                <a:solidFill>
+                  <a:schemeClr val="dk1"/>
+                </a:solidFill>
+                <a:latin typeface="Consolas"/>
+              </a:rPr>
+              <a:t>Subject</a:t>
+            </a:r>
+            <a:r>
               <a:rPr lang="en-US" altLang="zh-CN" dirty="0"/>
-              <a:t>Subject		Ratio of Abnormal Signals</a:t>
+              <a:t>		</a:t>
             </a:r>
+            <a:r>
+              <a:rPr lang="en-US" altLang="zh-CN" sz="1800" dirty="0">
+                <a:solidFill>
+                  <a:schemeClr val="dk1"/>
+                </a:solidFill>
+                <a:latin typeface="Consolas"/>
+              </a:rPr>
+              <a:t>Ratio of </a:t>
+            </a:r>
+          </a:p>
+          <a:p>
+            <a:r>
+              <a:rPr lang="en-US" altLang="zh-CN" sz="1800" dirty="0">
+                <a:solidFill>
+                  <a:schemeClr val="dk1"/>
+                </a:solidFill>
+                <a:latin typeface="Consolas"/>
+              </a:rPr>
+              <a:t>		Abnormal Signals</a:t>
+            </a:r>
+          </a:p>
+        </p:txBody>
+      </p:sp>
+      <p:sp>
+        <p:nvSpPr>
+          <p:cNvPr id="3" name="矩形 2">
+            <a:extLst>
+              <a:ext uri="{FF2B5EF4-FFF2-40B4-BE49-F238E27FC236}">
+                <a16:creationId xmlns:a16="http://schemas.microsoft.com/office/drawing/2014/main" id="{48863B07-1EA5-D95F-0A5A-02CDAD7A2A76}"/>
+              </a:ext>
+            </a:extLst>
+          </p:cNvPr>
+          <p:cNvSpPr/>
+          <p:nvPr/>
+        </p:nvSpPr>
+        <p:spPr>
+          <a:xfrm>
+            <a:off x="2290689" y="3429000"/>
+            <a:ext cx="635391" cy="875714"/>
+          </a:xfrm>
+          <a:prstGeom prst="rect">
+            <a:avLst/>
+          </a:prstGeom>
+          <a:noFill/>
+        </p:spPr>
+        <p:style>
+          <a:lnRef idx="2">
+            <a:schemeClr val="accent1">
+              <a:shade val="15000"/>
+            </a:schemeClr>
+          </a:lnRef>
+          <a:fillRef idx="1">
+            <a:schemeClr val="accent1"/>
+          </a:fillRef>
+          <a:effectRef idx="0">
+            <a:schemeClr val="accent1"/>
+          </a:effectRef>
+          <a:fontRef idx="minor">
+            <a:schemeClr val="lt1"/>
+          </a:fontRef>
+        </p:style>
+        <p:txBody>
+          <a:bodyPr rtlCol="0" anchor="ctr"/>
+          <a:lstStyle/>
+          <a:p>
+            <a:pPr algn="ctr"/>
+            <a:endParaRPr lang="zh-CN" altLang="en-US"/>
+          </a:p>
+        </p:txBody>
+      </p:sp>
+      <p:sp>
+        <p:nvSpPr>
+          <p:cNvPr id="5" name="矩形 4">
+            <a:extLst>
+              <a:ext uri="{FF2B5EF4-FFF2-40B4-BE49-F238E27FC236}">
+                <a16:creationId xmlns:a16="http://schemas.microsoft.com/office/drawing/2014/main" id="{C1CAA0A1-62FC-9A58-5B51-381A3485B01A}"/>
+              </a:ext>
+            </a:extLst>
+          </p:cNvPr>
+          <p:cNvSpPr/>
+          <p:nvPr/>
+        </p:nvSpPr>
+        <p:spPr>
+          <a:xfrm>
+            <a:off x="3341997" y="3429000"/>
+            <a:ext cx="635391" cy="875714"/>
+          </a:xfrm>
+          <a:prstGeom prst="rect">
+            <a:avLst/>
+          </a:prstGeom>
+          <a:noFill/>
+        </p:spPr>
+        <p:style>
+          <a:lnRef idx="2">
+            <a:schemeClr val="accent1">
+              <a:shade val="15000"/>
+            </a:schemeClr>
+          </a:lnRef>
+          <a:fillRef idx="1">
+            <a:schemeClr val="accent1"/>
+          </a:fillRef>
+          <a:effectRef idx="0">
+            <a:schemeClr val="accent1"/>
+          </a:effectRef>
+          <a:fontRef idx="minor">
+            <a:schemeClr val="lt1"/>
+          </a:fontRef>
+        </p:style>
+        <p:txBody>
+          <a:bodyPr rtlCol="0" anchor="ctr"/>
+          <a:lstStyle/>
+          <a:p>
+            <a:pPr algn="ctr"/>
+            <a:endParaRPr lang="zh-CN" altLang="en-US"/>
+          </a:p>
+        </p:txBody>
+      </p:sp>
+      <p:sp>
+        <p:nvSpPr>
+          <p:cNvPr id="7" name="矩形 6">
+            <a:extLst>
+              <a:ext uri="{FF2B5EF4-FFF2-40B4-BE49-F238E27FC236}">
+                <a16:creationId xmlns:a16="http://schemas.microsoft.com/office/drawing/2014/main" id="{24C8F7B1-96C1-2627-1285-4F86A6E20381}"/>
+              </a:ext>
+            </a:extLst>
+          </p:cNvPr>
+          <p:cNvSpPr/>
+          <p:nvPr/>
+        </p:nvSpPr>
+        <p:spPr>
+          <a:xfrm>
+            <a:off x="3151829" y="5785071"/>
+            <a:ext cx="653481" cy="875714"/>
+          </a:xfrm>
+          <a:prstGeom prst="rect">
+            <a:avLst/>
+          </a:prstGeom>
+          <a:noFill/>
+        </p:spPr>
+        <p:style>
+          <a:lnRef idx="2">
+            <a:schemeClr val="accent1">
+              <a:shade val="15000"/>
+            </a:schemeClr>
+          </a:lnRef>
+          <a:fillRef idx="1">
+            <a:schemeClr val="accent1"/>
+          </a:fillRef>
+          <a:effectRef idx="0">
+            <a:schemeClr val="accent1"/>
+          </a:effectRef>
+          <a:fontRef idx="minor">
+            <a:schemeClr val="lt1"/>
+          </a:fontRef>
+        </p:style>
+        <p:txBody>
+          <a:bodyPr rtlCol="0" anchor="ctr"/>
+          <a:lstStyle/>
+          <a:p>
+            <a:pPr algn="ctr"/>
+            <a:endParaRPr lang="zh-CN" altLang="en-US"/>
+          </a:p>
+        </p:txBody>
+      </p:sp>
+      <p:sp>
+        <p:nvSpPr>
+          <p:cNvPr id="8" name="矩形 7">
+            <a:extLst>
+              <a:ext uri="{FF2B5EF4-FFF2-40B4-BE49-F238E27FC236}">
+                <a16:creationId xmlns:a16="http://schemas.microsoft.com/office/drawing/2014/main" id="{39BF61CA-810F-A62B-CC2A-7C11041B104F}"/>
+              </a:ext>
+            </a:extLst>
+          </p:cNvPr>
+          <p:cNvSpPr/>
+          <p:nvPr/>
+        </p:nvSpPr>
+        <p:spPr>
+          <a:xfrm>
+            <a:off x="2124221" y="5785071"/>
+            <a:ext cx="653481" cy="875714"/>
+          </a:xfrm>
+          <a:prstGeom prst="rect">
+            <a:avLst/>
+          </a:prstGeom>
+          <a:noFill/>
+        </p:spPr>
+        <p:style>
+          <a:lnRef idx="2">
+            <a:schemeClr val="accent1">
+              <a:shade val="15000"/>
+            </a:schemeClr>
+          </a:lnRef>
+          <a:fillRef idx="1">
+            <a:schemeClr val="accent1"/>
+          </a:fillRef>
+          <a:effectRef idx="0">
+            <a:schemeClr val="accent1"/>
+          </a:effectRef>
+          <a:fontRef idx="minor">
+            <a:schemeClr val="lt1"/>
+          </a:fontRef>
+        </p:style>
+        <p:txBody>
+          <a:bodyPr rtlCol="0" anchor="ctr"/>
+          <a:lstStyle/>
+          <a:p>
+            <a:pPr algn="ctr"/>
+            <a:endParaRPr lang="zh-CN" altLang="en-US"/>
           </a:p>
         </p:txBody>
       </p:sp>
@@ -19968,8 +20276,8 @@
         </p:nvSpPr>
         <p:spPr>
           <a:xfrm>
-            <a:off x="917917" y="1674911"/>
-            <a:ext cx="3941890" cy="3754874"/>
+            <a:off x="162654" y="837816"/>
+            <a:ext cx="6034163" cy="5109091"/>
           </a:xfrm>
           <a:prstGeom prst="rect">
             <a:avLst/>
@@ -19983,7 +20291,12 @@
           <a:lstStyle/>
           <a:p>
             <a:r>
-              <a:rPr lang="en-US" altLang="zh-CN" dirty="0"/>
+              <a:rPr lang="en-US" altLang="zh-CN" sz="1800" dirty="0">
+                <a:solidFill>
+                  <a:schemeClr val="dk1"/>
+                </a:solidFill>
+                <a:latin typeface="Consolas"/>
+              </a:rPr>
               <a:t>Experiments Results on Real Data</a:t>
             </a:r>
           </a:p>
@@ -19991,14 +20304,27 @@
             <a:endParaRPr lang="en-US" altLang="zh-CN" dirty="0"/>
           </a:p>
           <a:p>
+            <a:endParaRPr lang="en-US" altLang="zh-CN" dirty="0"/>
+          </a:p>
+          <a:p>
             <a:r>
-              <a:rPr lang="en-US" altLang="zh-CN" dirty="0"/>
+              <a:rPr lang="en-US" altLang="zh-CN" sz="1800" dirty="0">
+                <a:solidFill>
+                  <a:schemeClr val="dk1"/>
+                </a:solidFill>
+                <a:latin typeface="Consolas"/>
+              </a:rPr>
               <a:t>950 pieces of signals displaying abnormal IBI are filtered out. </a:t>
             </a:r>
           </a:p>
           <a:p>
             <a:r>
-              <a:rPr lang="en-US" altLang="zh-CN" dirty="0"/>
+              <a:rPr lang="en-US" altLang="zh-CN" sz="1800" dirty="0">
+                <a:solidFill>
+                  <a:schemeClr val="dk1"/>
+                </a:solidFill>
+                <a:latin typeface="Consolas"/>
+              </a:rPr>
               <a:t>The signals with confirmed normal IBI were used as the baseline to construct a simulated dataset. </a:t>
             </a:r>
           </a:p>
@@ -20006,8 +20332,16 @@
             <a:endParaRPr lang="en-US" altLang="zh-CN" dirty="0"/>
           </a:p>
           <a:p>
+            <a:endParaRPr lang="en-US" altLang="zh-CN" dirty="0"/>
+          </a:p>
+          <a:p>
             <a:r>
-              <a:rPr lang="en-US" altLang="zh-CN" dirty="0"/>
+              <a:rPr lang="en-US" altLang="zh-CN" sz="1800" dirty="0">
+                <a:solidFill>
+                  <a:schemeClr val="dk1"/>
+                </a:solidFill>
+                <a:latin typeface="Consolas"/>
+              </a:rPr>
               <a:t>Below 4 situations are carefully tested.</a:t>
             </a:r>
           </a:p>
@@ -20017,15 +20351,30 @@
               <a:buChar char="•"/>
             </a:pPr>
             <a:r>
-              <a:rPr lang="en-US" altLang="zh-CN" dirty="0"/>
+              <a:rPr lang="en-US" altLang="zh-CN" sz="1800" dirty="0">
+                <a:solidFill>
+                  <a:schemeClr val="dk1"/>
+                </a:solidFill>
+                <a:latin typeface="Consolas"/>
+              </a:rPr>
               <a:t>Extreme Heart Rate: Instances where heart rate is exceptionally high(HR &gt; </a:t>
             </a:r>
             <a:r>
-              <a:rPr lang="en-US" altLang="zh-CN" dirty="0" err="1"/>
+              <a:rPr lang="en-US" altLang="zh-CN" sz="1800" dirty="0" err="1">
+                <a:solidFill>
+                  <a:schemeClr val="dk1"/>
+                </a:solidFill>
+                <a:latin typeface="Consolas"/>
+              </a:rPr>
               <a:t>HR_max</a:t>
             </a:r>
             <a:r>
-              <a:rPr lang="en-US" altLang="zh-CN" dirty="0"/>
+              <a:rPr lang="en-US" altLang="zh-CN" sz="1800" dirty="0">
+                <a:solidFill>
+                  <a:schemeClr val="dk1"/>
+                </a:solidFill>
+                <a:latin typeface="Consolas"/>
+              </a:rPr>
               <a:t> * 0.98).</a:t>
             </a:r>
           </a:p>
@@ -20035,7 +20384,12 @@
               <a:buChar char="•"/>
             </a:pPr>
             <a:r>
-              <a:rPr lang="en-US" altLang="zh-CN" dirty="0"/>
+              <a:rPr lang="en-US" altLang="zh-CN" sz="1800" dirty="0">
+                <a:solidFill>
+                  <a:schemeClr val="dk1"/>
+                </a:solidFill>
+                <a:latin typeface="Consolas"/>
+              </a:rPr>
               <a:t>Abnormalities occurring within a single heartbeat.</a:t>
             </a:r>
           </a:p>
@@ -20045,7 +20399,12 @@
               <a:buChar char="•"/>
             </a:pPr>
             <a:r>
-              <a:rPr lang="en-US" altLang="zh-CN" dirty="0"/>
+              <a:rPr lang="en-US" altLang="zh-CN" sz="1800" dirty="0">
+                <a:solidFill>
+                  <a:schemeClr val="dk1"/>
+                </a:solidFill>
+                <a:latin typeface="Consolas"/>
+              </a:rPr>
               <a:t>Respiratory Sinus Arrhythmia</a:t>
             </a:r>
           </a:p>
@@ -20055,7 +20414,12 @@
               <a:buChar char="•"/>
             </a:pPr>
             <a:r>
-              <a:rPr lang="en-US" altLang="zh-CN" dirty="0"/>
+              <a:rPr lang="en-US" altLang="zh-CN" sz="1800" dirty="0">
+                <a:solidFill>
+                  <a:schemeClr val="dk1"/>
+                </a:solidFill>
+                <a:latin typeface="Consolas"/>
+              </a:rPr>
               <a:t>Signals are of moderate quality. (Only 4 good circles within a 10-second piece)</a:t>
             </a:r>
           </a:p>
@@ -20075,16 +20439,15 @@
           </p:cNvPicPr>
           <p:nvPr/>
         </p:nvPicPr>
-        <p:blipFill>
+        <p:blipFill rotWithShape="1">
           <a:blip r:embed="rId3"/>
-          <a:stretch>
-            <a:fillRect/>
-          </a:stretch>
+          <a:srcRect l="7628" r="7533"/>
+          <a:stretch/>
         </p:blipFill>
         <p:spPr>
           <a:xfrm>
-            <a:off x="4876800" y="4084498"/>
-            <a:ext cx="7315200" cy="1828800"/>
+            <a:off x="5985803" y="4306761"/>
+            <a:ext cx="6206197" cy="1828800"/>
           </a:xfrm>
           <a:prstGeom prst="rect">
             <a:avLst/>
@@ -20105,16 +20468,15 @@
           </p:cNvPicPr>
           <p:nvPr/>
         </p:nvPicPr>
-        <p:blipFill>
+        <p:blipFill rotWithShape="1">
           <a:blip r:embed="rId4"/>
-          <a:stretch>
-            <a:fillRect/>
-          </a:stretch>
+          <a:srcRect l="9134" r="7532"/>
+          <a:stretch/>
         </p:blipFill>
         <p:spPr>
           <a:xfrm>
-            <a:off x="4876800" y="2407622"/>
-            <a:ext cx="7315200" cy="1828800"/>
+            <a:off x="6096000" y="2477961"/>
+            <a:ext cx="6096000" cy="1828800"/>
           </a:xfrm>
           <a:prstGeom prst="rect">
             <a:avLst/>
@@ -20135,22 +20497,67 @@
           </p:cNvPicPr>
           <p:nvPr/>
         </p:nvPicPr>
-        <p:blipFill>
+        <p:blipFill rotWithShape="1">
           <a:blip r:embed="rId5"/>
-          <a:stretch>
-            <a:fillRect/>
-          </a:stretch>
+          <a:srcRect l="7628" r="7533"/>
+          <a:stretch/>
         </p:blipFill>
         <p:spPr>
           <a:xfrm>
-            <a:off x="4876800" y="578822"/>
-            <a:ext cx="7315200" cy="1828800"/>
+            <a:off x="5985803" y="649161"/>
+            <a:ext cx="6206197" cy="1828800"/>
           </a:xfrm>
           <a:prstGeom prst="rect">
             <a:avLst/>
           </a:prstGeom>
         </p:spPr>
       </p:pic>
+      <p:sp>
+        <p:nvSpPr>
+          <p:cNvPr id="5" name="文本框 4">
+            <a:extLst>
+              <a:ext uri="{FF2B5EF4-FFF2-40B4-BE49-F238E27FC236}">
+                <a16:creationId xmlns:a16="http://schemas.microsoft.com/office/drawing/2014/main" id="{36AD6612-FB8E-0CC9-1DEC-97F26AC9C145}"/>
+              </a:ext>
+            </a:extLst>
+          </p:cNvPr>
+          <p:cNvSpPr txBox="1"/>
+          <p:nvPr/>
+        </p:nvSpPr>
+        <p:spPr>
+          <a:xfrm>
+            <a:off x="6196817" y="249631"/>
+            <a:ext cx="3175894" cy="369332"/>
+          </a:xfrm>
+          <a:prstGeom prst="rect">
+            <a:avLst/>
+          </a:prstGeom>
+          <a:noFill/>
+        </p:spPr>
+        <p:txBody>
+          <a:bodyPr wrap="square">
+            <a:spAutoFit/>
+          </a:bodyPr>
+          <a:lstStyle/>
+          <a:p>
+            <a:r>
+              <a:rPr lang="en-US" altLang="zh-CN" sz="1800" dirty="0">
+                <a:solidFill>
+                  <a:schemeClr val="dk1"/>
+                </a:solidFill>
+                <a:latin typeface="Consolas"/>
+              </a:rPr>
+              <a:t>Extreme Heart Rate</a:t>
+            </a:r>
+            <a:endParaRPr lang="zh-CN" altLang="en-US" sz="1800" dirty="0">
+              <a:solidFill>
+                <a:schemeClr val="dk1"/>
+              </a:solidFill>
+              <a:latin typeface="Consolas"/>
+            </a:endParaRPr>
+          </a:p>
+        </p:txBody>
+      </p:sp>
     </p:spTree>
     <p:extLst>
       <p:ext uri="{BB962C8B-B14F-4D97-AF65-F5344CB8AC3E}">
@@ -20254,8 +20661,8 @@
         </p:nvSpPr>
         <p:spPr>
           <a:xfrm>
-            <a:off x="1155205" y="2307713"/>
-            <a:ext cx="5660683" cy="307777"/>
+            <a:off x="848946" y="2819406"/>
+            <a:ext cx="7735577" cy="369332"/>
           </a:xfrm>
           <a:prstGeom prst="rect">
             <a:avLst/>
@@ -20269,7 +20676,12 @@
           <a:lstStyle/>
           <a:p>
             <a:r>
-              <a:rPr lang="en-US" altLang="zh-CN" dirty="0"/>
+              <a:rPr lang="en-US" altLang="zh-CN" sz="1800" b="1" dirty="0">
+                <a:solidFill>
+                  <a:schemeClr val="dk1"/>
+                </a:solidFill>
+                <a:latin typeface="Consolas"/>
+              </a:rPr>
               <a:t>Abnormalities occurring within a single heartbeat.</a:t>
             </a:r>
           </a:p>
@@ -20290,13 +20702,13 @@
           <p:nvPr>
             <p:extLst>
               <p:ext uri="{D42A27DB-BD31-4B8C-83A1-F6EECF244321}">
-                <p14:modId xmlns:p14="http://schemas.microsoft.com/office/powerpoint/2010/main" val="876835049"/>
+                <p14:modId xmlns:p14="http://schemas.microsoft.com/office/powerpoint/2010/main" val="4191751490"/>
               </p:ext>
             </p:extLst>
           </p:nvPr>
         </p:nvGraphicFramePr>
         <p:xfrm>
-          <a:off x="1219684" y="2612425"/>
+          <a:off x="854811" y="3307572"/>
           <a:ext cx="7427900" cy="1112520"/>
         </p:xfrm>
         <a:graphic>
@@ -20660,8 +21072,8 @@
         </p:nvSpPr>
         <p:spPr>
           <a:xfrm>
-            <a:off x="781049" y="621606"/>
-            <a:ext cx="11747500" cy="307777"/>
+            <a:off x="444500" y="439986"/>
+            <a:ext cx="11747500" cy="646331"/>
           </a:xfrm>
           <a:prstGeom prst="rect">
             <a:avLst/>
@@ -20675,7 +21087,12 @@
           <a:lstStyle/>
           <a:p>
             <a:r>
-              <a:rPr lang="en-US" altLang="zh-CN" dirty="0"/>
+              <a:rPr lang="en-US" altLang="zh-CN" sz="1800" dirty="0">
+                <a:solidFill>
+                  <a:schemeClr val="dk1"/>
+                </a:solidFill>
+                <a:latin typeface="Consolas"/>
+              </a:rPr>
               <a:t>Abnormal Data Construction: Add or subtract a random number within the range of 240ms to 480ms from the original IBI.</a:t>
             </a:r>
           </a:p>
@@ -20695,7 +21112,7 @@
         </p:nvSpPr>
         <p:spPr>
           <a:xfrm>
-            <a:off x="2965449" y="1017739"/>
+            <a:off x="3682901" y="1354984"/>
             <a:ext cx="1494972" cy="1139435"/>
           </a:xfrm>
           <a:custGeom>
@@ -20900,7 +21317,7 @@
         </p:nvSpPr>
         <p:spPr>
           <a:xfrm>
-            <a:off x="1828799" y="1017739"/>
+            <a:off x="2546251" y="1354984"/>
             <a:ext cx="1494972" cy="1139435"/>
           </a:xfrm>
           <a:custGeom>
@@ -21105,7 +21522,7 @@
         </p:nvSpPr>
         <p:spPr>
           <a:xfrm>
-            <a:off x="2964542" y="976403"/>
+            <a:off x="3681994" y="1313648"/>
             <a:ext cx="359229" cy="1270017"/>
           </a:xfrm>
           <a:prstGeom prst="rect">
@@ -21152,7 +21569,7 @@
         </p:nvSpPr>
         <p:spPr>
           <a:xfrm>
-            <a:off x="7617380" y="1106985"/>
+            <a:off x="8334832" y="1444230"/>
             <a:ext cx="1494972" cy="1139435"/>
           </a:xfrm>
           <a:custGeom>
@@ -21357,7 +21774,7 @@
         </p:nvSpPr>
         <p:spPr>
           <a:xfrm>
-            <a:off x="5363129" y="1106985"/>
+            <a:off x="6080581" y="1444230"/>
             <a:ext cx="1494972" cy="1139435"/>
           </a:xfrm>
           <a:custGeom>
@@ -21562,7 +21979,7 @@
         </p:nvSpPr>
         <p:spPr>
           <a:xfrm>
-            <a:off x="6869440" y="1691221"/>
+            <a:off x="7586892" y="2028466"/>
             <a:ext cx="736600" cy="393722"/>
           </a:xfrm>
           <a:custGeom>
@@ -21723,13 +22140,13 @@
           <p:nvPr>
             <p:extLst>
               <p:ext uri="{D42A27DB-BD31-4B8C-83A1-F6EECF244321}">
-                <p14:modId xmlns:p14="http://schemas.microsoft.com/office/powerpoint/2010/main" val="1880024931"/>
+                <p14:modId xmlns:p14="http://schemas.microsoft.com/office/powerpoint/2010/main" val="3985432745"/>
               </p:ext>
             </p:extLst>
           </p:nvPr>
         </p:nvGraphicFramePr>
         <p:xfrm>
-          <a:off x="1219684" y="4154709"/>
+          <a:off x="848946" y="5007285"/>
           <a:ext cx="10463270" cy="1850715"/>
         </p:xfrm>
         <a:graphic>
@@ -22100,10 +22517,10 @@
                     <a:p>
                       <a:pPr algn="ctr"/>
                       <a:r>
-                        <a:rPr lang="en-US" altLang="zh-CN" b="1" dirty="0"/>
+                        <a:rPr lang="en-US" altLang="zh-CN" b="1" u="sng" dirty="0"/>
                         <a:t>0.927</a:t>
                       </a:r>
-                      <a:endParaRPr lang="zh-CN" altLang="en-US" b="1" dirty="0"/>
+                      <a:endParaRPr lang="zh-CN" altLang="en-US" b="1" u="sng" dirty="0"/>
                     </a:p>
                   </a:txBody>
                   <a:tcPr/>
@@ -22343,10 +22760,10 @@
                     <a:p>
                       <a:pPr algn="ctr"/>
                       <a:r>
-                        <a:rPr lang="en-US" altLang="zh-CN" b="1" dirty="0"/>
+                        <a:rPr lang="en-US" altLang="zh-CN" b="1" u="sng" dirty="0"/>
                         <a:t>0.960</a:t>
                       </a:r>
-                      <a:endParaRPr lang="zh-CN" altLang="en-US" b="1" dirty="0"/>
+                      <a:endParaRPr lang="zh-CN" altLang="en-US" b="1" u="sng" dirty="0"/>
                     </a:p>
                   </a:txBody>
                   <a:tcPr/>
@@ -22406,6 +22823,61 @@
           </a:graphicData>
         </a:graphic>
       </p:graphicFrame>
+      <p:sp>
+        <p:nvSpPr>
+          <p:cNvPr id="6" name="文本框 5">
+            <a:extLst>
+              <a:ext uri="{FF2B5EF4-FFF2-40B4-BE49-F238E27FC236}">
+                <a16:creationId xmlns:a16="http://schemas.microsoft.com/office/drawing/2014/main" id="{88387DF9-184C-B67D-29DC-22938B2DEFBB}"/>
+              </a:ext>
+            </a:extLst>
+          </p:cNvPr>
+          <p:cNvSpPr txBox="1"/>
+          <p:nvPr/>
+        </p:nvSpPr>
+        <p:spPr>
+          <a:xfrm>
+            <a:off x="798368" y="4559800"/>
+            <a:ext cx="6126480" cy="307777"/>
+          </a:xfrm>
+          <a:prstGeom prst="rect">
+            <a:avLst/>
+          </a:prstGeom>
+          <a:noFill/>
+        </p:spPr>
+        <p:txBody>
+          <a:bodyPr wrap="square">
+            <a:spAutoFit/>
+          </a:bodyPr>
+          <a:lstStyle>
+            <a:defPPr marR="0" lvl="0" algn="l" rtl="0">
+              <a:lnSpc>
+                <a:spcPct val="100000"/>
+              </a:lnSpc>
+              <a:spcBef>
+                <a:spcPts val="0"/>
+              </a:spcBef>
+              <a:spcAft>
+                <a:spcPts val="0"/>
+              </a:spcAft>
+            </a:defPPr>
+            <a:lvl1pPr>
+              <a:defRPr sz="1800">
+                <a:solidFill>
+                  <a:schemeClr val="dk1"/>
+                </a:solidFill>
+                <a:latin typeface="Consolas"/>
+              </a:defRPr>
+            </a:lvl1pPr>
+          </a:lstStyle>
+          <a:p>
+            <a:r>
+              <a:rPr lang="en-US" altLang="zh-CN" b="1" dirty="0"/>
+              <a:t>Respiratory Sinus Arrhythmia</a:t>
+            </a:r>
+          </a:p>
+        </p:txBody>
+      </p:sp>
     </p:spTree>
     <p:extLst>
       <p:ext uri="{BB962C8B-B14F-4D97-AF65-F5344CB8AC3E}">
@@ -22511,7 +22983,7 @@
         </p:blipFill>
         <p:spPr>
           <a:xfrm>
-            <a:off x="602566" y="488852"/>
+            <a:off x="602566" y="995420"/>
             <a:ext cx="7315200" cy="1828800"/>
           </a:xfrm>
           <a:prstGeom prst="rect">
@@ -22541,7 +23013,7 @@
         </p:blipFill>
         <p:spPr>
           <a:xfrm>
-            <a:off x="7699716" y="488852"/>
+            <a:off x="7819291" y="995420"/>
             <a:ext cx="2743200" cy="1828800"/>
           </a:xfrm>
           <a:prstGeom prst="rect">
@@ -22571,7 +23043,7 @@
         </p:blipFill>
         <p:spPr>
           <a:xfrm>
-            <a:off x="7699716" y="2451297"/>
+            <a:off x="7819291" y="2957865"/>
             <a:ext cx="2743200" cy="1828800"/>
           </a:xfrm>
           <a:prstGeom prst="rect">
@@ -22601,7 +23073,7 @@
         </p:blipFill>
         <p:spPr>
           <a:xfrm>
-            <a:off x="602566" y="2451296"/>
+            <a:off x="602566" y="2957864"/>
             <a:ext cx="7315200" cy="1828800"/>
           </a:xfrm>
           <a:prstGeom prst="rect">
@@ -22631,7 +23103,7 @@
         </p:blipFill>
         <p:spPr>
           <a:xfrm>
-            <a:off x="7699714" y="4280095"/>
+            <a:off x="7819289" y="4786663"/>
             <a:ext cx="2743202" cy="1828801"/>
           </a:xfrm>
           <a:prstGeom prst="rect">
@@ -22661,7 +23133,7 @@
         </p:blipFill>
         <p:spPr>
           <a:xfrm>
-            <a:off x="602566" y="4280096"/>
+            <a:off x="602566" y="4786664"/>
             <a:ext cx="7315200" cy="1828800"/>
           </a:xfrm>
           <a:prstGeom prst="rect">
@@ -22683,8 +23155,8 @@
         </p:nvSpPr>
         <p:spPr>
           <a:xfrm>
-            <a:off x="602566" y="313044"/>
-            <a:ext cx="6127750" cy="307777"/>
+            <a:off x="1348155" y="677110"/>
+            <a:ext cx="6127750" cy="369332"/>
           </a:xfrm>
           <a:prstGeom prst="rect">
             <a:avLst/>
@@ -22695,7 +23167,27 @@
           <a:bodyPr wrap="square">
             <a:spAutoFit/>
           </a:bodyPr>
-          <a:lstStyle/>
+          <a:lstStyle>
+            <a:defPPr marR="0" lvl="0" algn="l" rtl="0">
+              <a:lnSpc>
+                <a:spcPct val="100000"/>
+              </a:lnSpc>
+              <a:spcBef>
+                <a:spcPts val="0"/>
+              </a:spcBef>
+              <a:spcAft>
+                <a:spcPts val="0"/>
+              </a:spcAft>
+            </a:defPPr>
+            <a:lvl1pPr>
+              <a:defRPr sz="1800">
+                <a:solidFill>
+                  <a:schemeClr val="dk1"/>
+                </a:solidFill>
+                <a:latin typeface="Consolas"/>
+              </a:defRPr>
+            </a:lvl1pPr>
+          </a:lstStyle>
           <a:p>
             <a:r>
               <a:rPr lang="en-US" altLang="zh-CN" dirty="0"/>
@@ -22794,87 +23286,6 @@
           </a:p>
         </p:txBody>
       </p:sp>
-      <p:sp>
-        <p:nvSpPr>
-          <p:cNvPr id="2" name="文本框 1">
-            <a:extLst>
-              <a:ext uri="{FF2B5EF4-FFF2-40B4-BE49-F238E27FC236}">
-                <a16:creationId xmlns:a16="http://schemas.microsoft.com/office/drawing/2014/main" id="{31BC92D7-10B4-B43E-9616-AF10161C376D}"/>
-              </a:ext>
-            </a:extLst>
-          </p:cNvPr>
-          <p:cNvSpPr txBox="1"/>
-          <p:nvPr/>
-        </p:nvSpPr>
-        <p:spPr>
-          <a:xfrm>
-            <a:off x="395948" y="963637"/>
-            <a:ext cx="4677702" cy="4185761"/>
-          </a:xfrm>
-          <a:prstGeom prst="rect">
-            <a:avLst/>
-          </a:prstGeom>
-          <a:noFill/>
-        </p:spPr>
-        <p:txBody>
-          <a:bodyPr wrap="square" rtlCol="0">
-            <a:spAutoFit/>
-          </a:bodyPr>
-          <a:lstStyle/>
-          <a:p>
-            <a:r>
-              <a:rPr lang="en-US" altLang="zh-CN" dirty="0"/>
-              <a:t>Uniform Distribution of Heartbeats:</a:t>
-            </a:r>
-          </a:p>
-          <a:p>
-            <a:endParaRPr lang="en-US" altLang="zh-CN" dirty="0"/>
-          </a:p>
-          <a:p>
-            <a:r>
-              <a:rPr lang="en-US" altLang="zh-CN" dirty="0"/>
-              <a:t>Diagnosis of Heart Rate Abnormalities:</a:t>
-            </a:r>
-          </a:p>
-          <a:p>
-            <a:r>
-              <a:rPr lang="en-US" altLang="zh-CN" dirty="0"/>
-              <a:t>1. When IBI is entirely accurate and successfully identifies abnormalities.</a:t>
-            </a:r>
-          </a:p>
-          <a:p>
-            <a:r>
-              <a:rPr lang="en-US" altLang="zh-CN" dirty="0"/>
-              <a:t>2. When IBI is not entirely accurate but still successfully identifies abnormalities.</a:t>
-            </a:r>
-          </a:p>
-          <a:p>
-            <a:endParaRPr lang="en-US" altLang="zh-CN" dirty="0"/>
-          </a:p>
-          <a:p>
-            <a:r>
-              <a:rPr lang="en-US" altLang="zh-CN" dirty="0"/>
-              <a:t>Currently, it's difficult to determine exactly how many IBIs can be accurately identified.</a:t>
-            </a:r>
-          </a:p>
-          <a:p>
-            <a:endParaRPr lang="en-US" altLang="zh-CN" dirty="0"/>
-          </a:p>
-          <a:p>
-            <a:r>
-              <a:rPr lang="en-US" altLang="zh-CN" dirty="0"/>
-              <a:t>Additionally, it's easier to misinterpret heartbeats that are widely spaced. </a:t>
-            </a:r>
-          </a:p>
-          <a:p>
-            <a:r>
-              <a:rPr lang="en-US" altLang="zh-CN" dirty="0"/>
-              <a:t>For example, if the interval between heartbeats is supposed to be 100ms but due to an anomaly, it becomes 150ms, it might be misjudged as a combination of 80ms and 70ms intervals. However, anomalies where the interval between heartbeats shortens are relatively easier to identify.</a:t>
-            </a:r>
-            <a:endParaRPr lang="zh-CN" altLang="en-US" dirty="0"/>
-          </a:p>
-        </p:txBody>
-      </p:sp>
       <p:pic>
         <p:nvPicPr>
           <p:cNvPr id="11" name="图片 10">
@@ -22897,7 +23308,7 @@
         </p:blipFill>
         <p:spPr>
           <a:xfrm>
-            <a:off x="4876800" y="0"/>
+            <a:off x="4876800" y="597876"/>
             <a:ext cx="7315200" cy="2743200"/>
           </a:xfrm>
           <a:prstGeom prst="rect">
@@ -22927,7 +23338,7 @@
         </p:blipFill>
         <p:spPr>
           <a:xfrm>
-            <a:off x="4876800" y="2952122"/>
+            <a:off x="4876800" y="3341076"/>
             <a:ext cx="7315200" cy="2743200"/>
           </a:xfrm>
           <a:prstGeom prst="rect">
@@ -22935,6 +23346,101 @@
           </a:prstGeom>
         </p:spPr>
       </p:pic>
+      <p:sp>
+        <p:nvSpPr>
+          <p:cNvPr id="2" name="文本框 1">
+            <a:extLst>
+              <a:ext uri="{FF2B5EF4-FFF2-40B4-BE49-F238E27FC236}">
+                <a16:creationId xmlns:a16="http://schemas.microsoft.com/office/drawing/2014/main" id="{31BC92D7-10B4-B43E-9616-AF10161C376D}"/>
+              </a:ext>
+            </a:extLst>
+          </p:cNvPr>
+          <p:cNvSpPr txBox="1"/>
+          <p:nvPr/>
+        </p:nvSpPr>
+        <p:spPr>
+          <a:xfrm>
+            <a:off x="0" y="728964"/>
+            <a:ext cx="5099538" cy="5078313"/>
+          </a:xfrm>
+          <a:prstGeom prst="rect">
+            <a:avLst/>
+          </a:prstGeom>
+          <a:noFill/>
+        </p:spPr>
+        <p:txBody>
+          <a:bodyPr wrap="square">
+            <a:spAutoFit/>
+          </a:bodyPr>
+          <a:lstStyle>
+            <a:defPPr marR="0" lvl="0" algn="l" rtl="0">
+              <a:lnSpc>
+                <a:spcPct val="100000"/>
+              </a:lnSpc>
+              <a:spcBef>
+                <a:spcPts val="0"/>
+              </a:spcBef>
+              <a:spcAft>
+                <a:spcPts val="0"/>
+              </a:spcAft>
+            </a:defPPr>
+            <a:lvl1pPr>
+              <a:defRPr sz="1800">
+                <a:solidFill>
+                  <a:schemeClr val="dk1"/>
+                </a:solidFill>
+                <a:latin typeface="Consolas"/>
+              </a:defRPr>
+            </a:lvl1pPr>
+          </a:lstStyle>
+          <a:p>
+            <a:r>
+              <a:rPr lang="en-US" altLang="zh-CN" b="1" dirty="0"/>
+              <a:t>Uniform Distribution of Heartbeats</a:t>
+            </a:r>
+          </a:p>
+          <a:p>
+            <a:endParaRPr lang="en-US" altLang="zh-CN" dirty="0"/>
+          </a:p>
+          <a:p>
+            <a:r>
+              <a:rPr lang="en-US" altLang="zh-CN" b="1" dirty="0"/>
+              <a:t>Diagnosis of Heart Rate Abnormalities:</a:t>
+            </a:r>
+          </a:p>
+          <a:p>
+            <a:r>
+              <a:rPr lang="en-US" altLang="zh-CN" dirty="0"/>
+              <a:t>1. When IBI is entirely accurate and successfully identifies abnormalities.</a:t>
+            </a:r>
+          </a:p>
+          <a:p>
+            <a:r>
+              <a:rPr lang="en-US" altLang="zh-CN" dirty="0"/>
+              <a:t>2. When IBI is not entirely accurate but still successfully identifies abnormalities.</a:t>
+            </a:r>
+          </a:p>
+          <a:p>
+            <a:endParaRPr lang="en-US" altLang="zh-CN" dirty="0"/>
+          </a:p>
+          <a:p>
+            <a:r>
+              <a:rPr lang="en-US" altLang="zh-CN" u="sng" dirty="0"/>
+              <a:t>Currently, it's difficult to determine exactly how many IBIs can be accurately identified.</a:t>
+            </a:r>
+          </a:p>
+          <a:p>
+            <a:endParaRPr lang="en-US" altLang="zh-CN" dirty="0"/>
+          </a:p>
+          <a:p>
+            <a:r>
+              <a:rPr lang="en-US" altLang="zh-CN" dirty="0"/>
+              <a:t>Additionally, it's easier to misinterpret heartbeats that are widely spaced. However, anomalies where the interval between heartbeats shortens are relatively easier to identify.</a:t>
+            </a:r>
+            <a:endParaRPr lang="zh-CN" altLang="en-US" dirty="0"/>
+          </a:p>
+        </p:txBody>
+      </p:sp>
     </p:spTree>
     <p:extLst>
       <p:ext uri="{BB962C8B-B14F-4D97-AF65-F5344CB8AC3E}">

--- a/Presentation_0226_JiayuChen.pptx
+++ b/Presentation_0226_JiayuChen.pptx
@@ -263,7 +263,7 @@
       <p15:sldGuideLst xmlns:p15="http://schemas.microsoft.com/office/powerpoint/2012/main"/>
     </p:ext>
     <p:ext uri="GoogleSlidesCustomDataVersion2">
-      <go:slidesCustomData xmlns:go="http://customooxmlschemas.google.com/" xmlns:ahyp="http://schemas.microsoft.com/office/drawing/2018/hyperlinkcolor" xmlns:p15="http://schemas.microsoft.com/office/powerpoint/2012/main" xmlns:p14="http://schemas.microsoft.com/office/powerpoint/2010/main" xmlns:com="http://schemas.openxmlformats.org/drawingml/2006/compatibility" xmlns:pvml="urn:schemas-microsoft-com:office:powerpoint" xmlns:v="urn:schemas-microsoft-com:vml" xmlns:o="urn:schemas-microsoft-com:office:office" xmlns:dgm="http://schemas.openxmlformats.org/drawingml/2006/diagram" xmlns:c="http://schemas.openxmlformats.org/drawingml/2006/chart" xmlns:mv="urn:schemas-microsoft-com:mac:vml" xmlns:mc="http://schemas.openxmlformats.org/markup-compatibility/2006" xmlns="" r:id="rId31" roundtripDataSignature="AMtx7mi7AOUiGfioVPTFrFzTi+gJGDXQ/w=="/>
+      <go:slidesCustomData xmlns="" xmlns:mc="http://schemas.openxmlformats.org/markup-compatibility/2006" xmlns:mv="urn:schemas-microsoft-com:mac:vml" xmlns:c="http://schemas.openxmlformats.org/drawingml/2006/chart" xmlns:dgm="http://schemas.openxmlformats.org/drawingml/2006/diagram" xmlns:o="urn:schemas-microsoft-com:office:office" xmlns:v="urn:schemas-microsoft-com:vml" xmlns:pvml="urn:schemas-microsoft-com:office:powerpoint" xmlns:com="http://schemas.openxmlformats.org/drawingml/2006/compatibility" xmlns:p14="http://schemas.microsoft.com/office/powerpoint/2010/main" xmlns:p15="http://schemas.microsoft.com/office/powerpoint/2012/main" xmlns:ahyp="http://schemas.microsoft.com/office/drawing/2018/hyperlinkcolor" xmlns:go="http://customooxmlschemas.google.com/" r:id="rId31" roundtripDataSignature="AMtx7mi7AOUiGfioVPTFrFzTi+gJGDXQ/w=="/>
     </p:ext>
   </p:extLst>
 </p:presentation>
@@ -18780,7 +18780,7 @@
         <p:spPr>
           <a:xfrm>
             <a:off x="1203213" y="4024019"/>
-            <a:ext cx="10831334" cy="1477287"/>
+            <a:ext cx="7947821" cy="1754286"/>
           </a:xfrm>
           <a:prstGeom prst="rect">
             <a:avLst/>
@@ -18842,7 +18842,7 @@
             </a:r>
           </a:p>
           <a:p>
-            <a:pPr marL="342900" marR="0" lvl="0" indent="-342900" algn="l" rtl="0">
+            <a:pPr marR="0" lvl="0" algn="l" rtl="0">
               <a:spcBef>
                 <a:spcPts val="0"/>
               </a:spcBef>
@@ -18853,31 +18853,6 @@
                 <a:schemeClr val="dk1"/>
               </a:buClr>
               <a:buSzPts val="1800"/>
-              <a:buFont typeface="Consolas"/>
-              <a:buAutoNum type="arabicPeriod"/>
-            </a:pPr>
-            <a:endParaRPr lang="en-US" altLang="zh-CN" sz="1800" dirty="0">
-              <a:solidFill>
-                <a:schemeClr val="dk1"/>
-              </a:solidFill>
-              <a:latin typeface="Consolas"/>
-              <a:sym typeface="Consolas"/>
-            </a:endParaRPr>
-          </a:p>
-          <a:p>
-            <a:pPr marL="342900" marR="0" lvl="0" indent="-342900" algn="l" rtl="0">
-              <a:spcBef>
-                <a:spcPts val="0"/>
-              </a:spcBef>
-              <a:spcAft>
-                <a:spcPts val="0"/>
-              </a:spcAft>
-              <a:buClr>
-                <a:schemeClr val="dk1"/>
-              </a:buClr>
-              <a:buSzPts val="1800"/>
-              <a:buFont typeface="Consolas"/>
-              <a:buAutoNum type="arabicPeriod"/>
             </a:pPr>
             <a:endParaRPr lang="en-US" altLang="zh-CN" sz="1800" dirty="0">
               <a:solidFill>
@@ -18909,6 +18884,71 @@
                 <a:sym typeface="Consolas"/>
               </a:rPr>
               <a:t>2. Peak number of signals.</a:t>
+            </a:r>
+          </a:p>
+          <a:p>
+            <a:pPr marR="0" lvl="0" algn="l" rtl="0">
+              <a:spcBef>
+                <a:spcPts val="0"/>
+              </a:spcBef>
+              <a:spcAft>
+                <a:spcPts val="0"/>
+              </a:spcAft>
+              <a:buClr>
+                <a:schemeClr val="dk1"/>
+              </a:buClr>
+              <a:buSzPts val="1800"/>
+            </a:pPr>
+            <a:endParaRPr lang="en-US" altLang="zh-CN" sz="1800" dirty="0">
+              <a:solidFill>
+                <a:schemeClr val="dk1"/>
+              </a:solidFill>
+              <a:latin typeface="Consolas"/>
+              <a:sym typeface="Consolas"/>
+            </a:endParaRPr>
+          </a:p>
+          <a:p>
+            <a:pPr marR="0" lvl="0" algn="l" rtl="0">
+              <a:spcBef>
+                <a:spcPts val="0"/>
+              </a:spcBef>
+              <a:spcAft>
+                <a:spcPts val="0"/>
+              </a:spcAft>
+              <a:buClr>
+                <a:schemeClr val="dk1"/>
+              </a:buClr>
+              <a:buSzPts val="1800"/>
+            </a:pPr>
+            <a:r>
+              <a:rPr lang="en-US" altLang="zh-CN" sz="1800" dirty="0">
+                <a:solidFill>
+                  <a:schemeClr val="dk1"/>
+                </a:solidFill>
+                <a:latin typeface="Consolas"/>
+                <a:sym typeface="Consolas"/>
+              </a:rPr>
+              <a:t>3.</a:t>
+            </a:r>
+            <a:r>
+              <a:rPr lang="zh-CN" altLang="en-US" sz="1800" dirty="0">
+                <a:solidFill>
+                  <a:schemeClr val="dk1"/>
+                </a:solidFill>
+                <a:latin typeface="Consolas"/>
+                <a:sym typeface="Consolas"/>
+              </a:rPr>
+              <a:t> </a:t>
+            </a:r>
+            <a:r>
+              <a:rPr lang="en-US" altLang="zh-CN" sz="1800" dirty="0">
+                <a:solidFill>
+                  <a:schemeClr val="dk1"/>
+                </a:solidFill>
+                <a:latin typeface="Consolas"/>
+                <a:sym typeface="Consolas"/>
+              </a:rPr>
+              <a:t>BCG signal and SCG signal.</a:t>
             </a:r>
           </a:p>
         </p:txBody>
@@ -19527,7 +19567,7 @@
                 </a:solidFill>
                 <a:latin typeface="Consolas"/>
               </a:rPr>
-              <a:t>Diagnosis of Heart Rate Abnormality:</a:t>
+              <a:t>Diagnosis of IBI Abnormality:</a:t>
             </a:r>
           </a:p>
           <a:p>
@@ -19749,7 +19789,7 @@
         </p:nvSpPr>
         <p:spPr>
           <a:xfrm>
-            <a:off x="1033805" y="534320"/>
+            <a:off x="874203" y="571437"/>
             <a:ext cx="5570977" cy="1477328"/>
           </a:xfrm>
           <a:prstGeom prst="rect">
@@ -20558,6 +20598,52 @@
           </a:p>
         </p:txBody>
       </p:sp>
+      <p:cxnSp>
+        <p:nvCxnSpPr>
+          <p:cNvPr id="6" name="直接连接符 5">
+            <a:extLst>
+              <a:ext uri="{FF2B5EF4-FFF2-40B4-BE49-F238E27FC236}">
+                <a16:creationId xmlns:a16="http://schemas.microsoft.com/office/drawing/2014/main" id="{FD1CF21E-C354-EED1-D94C-7F0CC47E22F1}"/>
+              </a:ext>
+            </a:extLst>
+          </p:cNvPr>
+          <p:cNvCxnSpPr>
+            <a:cxnSpLocks/>
+          </p:cNvCxnSpPr>
+          <p:nvPr/>
+        </p:nvCxnSpPr>
+        <p:spPr>
+          <a:xfrm flipH="1">
+            <a:off x="5985803" y="0"/>
+            <a:ext cx="9381" cy="6808763"/>
+          </a:xfrm>
+          <a:prstGeom prst="line">
+            <a:avLst/>
+          </a:prstGeom>
+          <a:ln w="28575">
+            <a:solidFill>
+              <a:schemeClr val="bg1">
+                <a:lumMod val="75000"/>
+              </a:schemeClr>
+            </a:solidFill>
+            <a:prstDash val="dash"/>
+          </a:ln>
+        </p:spPr>
+        <p:style>
+          <a:lnRef idx="1">
+            <a:schemeClr val="accent1"/>
+          </a:lnRef>
+          <a:fillRef idx="0">
+            <a:schemeClr val="accent1"/>
+          </a:fillRef>
+          <a:effectRef idx="0">
+            <a:schemeClr val="accent1"/>
+          </a:effectRef>
+          <a:fontRef idx="minor">
+            <a:schemeClr val="tx1"/>
+          </a:fontRef>
+        </p:style>
+      </p:cxnSp>
     </p:spTree>
     <p:extLst>
       <p:ext uri="{BB962C8B-B14F-4D97-AF65-F5344CB8AC3E}">
@@ -21093,7 +21179,34 @@
                 </a:solidFill>
                 <a:latin typeface="Consolas"/>
               </a:rPr>
-              <a:t>Abnormal Data Construction: Add or subtract a random number within the range of 240ms to 480ms from the original IBI.</a:t>
+              <a:t>Abnormal Data Construction: Add or subtract a random number within the range of </a:t>
+            </a:r>
+            <a:r>
+              <a:rPr lang="en-US" altLang="zh-CN" sz="1800" b="1" u="sng" dirty="0">
+                <a:solidFill>
+                  <a:schemeClr val="dk1"/>
+                </a:solidFill>
+                <a:latin typeface="Consolas"/>
+              </a:rPr>
+              <a:t>240ms to 480ms</a:t>
+            </a:r>
+            <a:r>
+              <a:rPr lang="en-US" altLang="zh-CN" sz="1800" u="sng" dirty="0">
+                <a:solidFill>
+                  <a:schemeClr val="dk1"/>
+                </a:solidFill>
+                <a:latin typeface="Consolas"/>
+              </a:rPr>
+              <a:t> </a:t>
+            </a:r>
+            <a:r>
+              <a:rPr lang="en-US" altLang="zh-CN" sz="1800" dirty="0">
+                <a:solidFill>
+                  <a:schemeClr val="dk1"/>
+                </a:solidFill>
+                <a:latin typeface="Consolas"/>
+              </a:rPr>
+              <a:t>from the original IBI.</a:t>
             </a:r>
           </a:p>
         </p:txBody>
@@ -23361,7 +23474,7 @@
         <p:spPr>
           <a:xfrm>
             <a:off x="0" y="728964"/>
-            <a:ext cx="5099538" cy="5078313"/>
+            <a:ext cx="5099538" cy="5355312"/>
           </a:xfrm>
           <a:prstGeom prst="rect">
             <a:avLst/>
@@ -23437,10 +23550,192 @@
               <a:rPr lang="en-US" altLang="zh-CN" dirty="0"/>
               <a:t>Additionally, it's easier to misinterpret heartbeats that are widely spaced. However, anomalies where the interval between heartbeats shortens are relatively easier to identify.</a:t>
             </a:r>
-            <a:endParaRPr lang="zh-CN" altLang="en-US" dirty="0"/>
+          </a:p>
+          <a:p>
+            <a:endParaRPr lang="en-US" altLang="zh-CN" dirty="0"/>
           </a:p>
         </p:txBody>
       </p:sp>
+      <p:sp>
+        <p:nvSpPr>
+          <p:cNvPr id="5" name="文本框 4">
+            <a:extLst>
+              <a:ext uri="{FF2B5EF4-FFF2-40B4-BE49-F238E27FC236}">
+                <a16:creationId xmlns:a16="http://schemas.microsoft.com/office/drawing/2014/main" id="{62CD8719-B48C-F64E-E13F-DB49CFAA4AA4}"/>
+              </a:ext>
+            </a:extLst>
+          </p:cNvPr>
+          <p:cNvSpPr txBox="1"/>
+          <p:nvPr/>
+        </p:nvSpPr>
+        <p:spPr>
+          <a:xfrm>
+            <a:off x="0" y="6089964"/>
+            <a:ext cx="11488615" cy="646331"/>
+          </a:xfrm>
+          <a:prstGeom prst="rect">
+            <a:avLst/>
+          </a:prstGeom>
+          <a:noFill/>
+        </p:spPr>
+        <p:txBody>
+          <a:bodyPr wrap="square">
+            <a:spAutoFit/>
+          </a:bodyPr>
+          <a:lstStyle/>
+          <a:p>
+            <a:r>
+              <a:rPr lang="en-US" altLang="zh-CN" sz="1800" dirty="0">
+                <a:solidFill>
+                  <a:schemeClr val="dk1"/>
+                </a:solidFill>
+                <a:latin typeface="Consolas"/>
+              </a:rPr>
+              <a:t>Conclusion: The accuracy in determining whether there is an arrhythmia is quite good. However, the IBI may not be calculated correctly.</a:t>
+            </a:r>
+          </a:p>
+        </p:txBody>
+      </p:sp>
+      <p:sp>
+        <p:nvSpPr>
+          <p:cNvPr id="7" name="矩形 6">
+            <a:extLst>
+              <a:ext uri="{FF2B5EF4-FFF2-40B4-BE49-F238E27FC236}">
+                <a16:creationId xmlns:a16="http://schemas.microsoft.com/office/drawing/2014/main" id="{67C2D914-9A50-C1EA-4289-23E88CB1BC57}"/>
+              </a:ext>
+            </a:extLst>
+          </p:cNvPr>
+          <p:cNvSpPr/>
+          <p:nvPr/>
+        </p:nvSpPr>
+        <p:spPr>
+          <a:xfrm>
+            <a:off x="6333978" y="5099538"/>
+            <a:ext cx="203982" cy="436099"/>
+          </a:xfrm>
+          <a:prstGeom prst="rect">
+            <a:avLst/>
+          </a:prstGeom>
+          <a:noFill/>
+        </p:spPr>
+        <p:style>
+          <a:lnRef idx="2">
+            <a:schemeClr val="accent1">
+              <a:shade val="15000"/>
+            </a:schemeClr>
+          </a:lnRef>
+          <a:fillRef idx="1">
+            <a:schemeClr val="accent1"/>
+          </a:fillRef>
+          <a:effectRef idx="0">
+            <a:schemeClr val="accent1"/>
+          </a:effectRef>
+          <a:fontRef idx="minor">
+            <a:schemeClr val="lt1"/>
+          </a:fontRef>
+        </p:style>
+        <p:txBody>
+          <a:bodyPr rtlCol="0" anchor="ctr"/>
+          <a:lstStyle/>
+          <a:p>
+            <a:pPr algn="ctr"/>
+            <a:endParaRPr lang="zh-CN" altLang="en-US"/>
+          </a:p>
+        </p:txBody>
+      </p:sp>
+      <p:sp>
+        <p:nvSpPr>
+          <p:cNvPr id="8" name="矩形 7">
+            <a:extLst>
+              <a:ext uri="{FF2B5EF4-FFF2-40B4-BE49-F238E27FC236}">
+                <a16:creationId xmlns:a16="http://schemas.microsoft.com/office/drawing/2014/main" id="{BEB6B433-B5ED-7F71-7384-1960759975B7}"/>
+              </a:ext>
+            </a:extLst>
+          </p:cNvPr>
+          <p:cNvSpPr/>
+          <p:nvPr/>
+        </p:nvSpPr>
+        <p:spPr>
+          <a:xfrm>
+            <a:off x="7457048" y="5099537"/>
+            <a:ext cx="203982" cy="436099"/>
+          </a:xfrm>
+          <a:prstGeom prst="rect">
+            <a:avLst/>
+          </a:prstGeom>
+          <a:noFill/>
+        </p:spPr>
+        <p:style>
+          <a:lnRef idx="2">
+            <a:schemeClr val="accent1">
+              <a:shade val="15000"/>
+            </a:schemeClr>
+          </a:lnRef>
+          <a:fillRef idx="1">
+            <a:schemeClr val="accent1"/>
+          </a:fillRef>
+          <a:effectRef idx="0">
+            <a:schemeClr val="accent1"/>
+          </a:effectRef>
+          <a:fontRef idx="minor">
+            <a:schemeClr val="lt1"/>
+          </a:fontRef>
+        </p:style>
+        <p:txBody>
+          <a:bodyPr rtlCol="0" anchor="ctr"/>
+          <a:lstStyle/>
+          <a:p>
+            <a:pPr algn="ctr"/>
+            <a:endParaRPr lang="zh-CN" altLang="en-US"/>
+          </a:p>
+        </p:txBody>
+      </p:sp>
+      <p:cxnSp>
+        <p:nvCxnSpPr>
+          <p:cNvPr id="9" name="直接连接符 8">
+            <a:extLst>
+              <a:ext uri="{FF2B5EF4-FFF2-40B4-BE49-F238E27FC236}">
+                <a16:creationId xmlns:a16="http://schemas.microsoft.com/office/drawing/2014/main" id="{0407AA89-8D21-9DC6-799F-17FB21C033EE}"/>
+              </a:ext>
+            </a:extLst>
+          </p:cNvPr>
+          <p:cNvCxnSpPr>
+            <a:cxnSpLocks/>
+          </p:cNvCxnSpPr>
+          <p:nvPr/>
+        </p:nvCxnSpPr>
+        <p:spPr>
+          <a:xfrm>
+            <a:off x="4986997" y="3341076"/>
+            <a:ext cx="7258929" cy="0"/>
+          </a:xfrm>
+          <a:prstGeom prst="line">
+            <a:avLst/>
+          </a:prstGeom>
+          <a:ln w="28575">
+            <a:solidFill>
+              <a:schemeClr val="bg1">
+                <a:lumMod val="75000"/>
+              </a:schemeClr>
+            </a:solidFill>
+            <a:prstDash val="dash"/>
+          </a:ln>
+        </p:spPr>
+        <p:style>
+          <a:lnRef idx="1">
+            <a:schemeClr val="accent1"/>
+          </a:lnRef>
+          <a:fillRef idx="0">
+            <a:schemeClr val="accent1"/>
+          </a:fillRef>
+          <a:effectRef idx="0">
+            <a:schemeClr val="accent1"/>
+          </a:effectRef>
+          <a:fontRef idx="minor">
+            <a:schemeClr val="tx1"/>
+          </a:fontRef>
+        </p:style>
+      </p:cxnSp>
     </p:spTree>
     <p:extLst>
       <p:ext uri="{BB962C8B-B14F-4D97-AF65-F5344CB8AC3E}">
